--- a/documentation/factsheets/WNTR_data_factsheet.pptx
+++ b/documentation/factsheets/WNTR_data_factsheet.pptx
@@ -2,10 +2,10 @@
 <file path=ppt/presentation.xml><?xml version="1.0" encoding="utf-8"?>
 <p:presentation xmlns:a="http://schemas.openxmlformats.org/drawingml/2006/main" xmlns:r="http://schemas.openxmlformats.org/officeDocument/2006/relationships" xmlns:p="http://schemas.openxmlformats.org/presentationml/2006/main" saveSubsetFonts="1">
   <p:sldMasterIdLst>
-    <p:sldMasterId id="2147483660" r:id="rId2"/>
+    <p:sldMasterId id="2147483660" r:id="rId5"/>
   </p:sldMasterIdLst>
   <p:sldIdLst>
-    <p:sldId id="257" r:id="rId3"/>
+    <p:sldId id="257" r:id="rId6"/>
   </p:sldIdLst>
   <p:sldSz cx="7772400" cy="10058400"/>
   <p:notesSz cx="7315200" cy="9601200"/>
@@ -112,6 +112,133 @@
 </p:presentation>
 </file>
 
+<file path=ppt/authors.xml><?xml version="1.0" encoding="utf-8"?>
+<p188:authorLst xmlns:a="http://schemas.openxmlformats.org/drawingml/2006/main" xmlns:r="http://schemas.openxmlformats.org/officeDocument/2006/relationships" xmlns:p188="http://schemas.microsoft.com/office/powerpoint/2018/8/main">
+  <p188:author id="{C68F20BD-5FE6-94EC-7D02-7E480943A96B}" name="Bonney, Kirk Lane" initials="BK" userId="S::klbonne@sandia.gov::7ec7e2e5-322f-4962-a755-75060357d6d4" providerId="AD"/>
+</p188:authorLst>
+</file>
+
+<file path=ppt/revisionInfo.xml><?xml version="1.0" encoding="utf-8"?>
+<p1510:revInfo xmlns:a="http://schemas.openxmlformats.org/drawingml/2006/main" xmlns:r="http://schemas.openxmlformats.org/officeDocument/2006/relationships" xmlns:p1510="http://schemas.microsoft.com/office/powerpoint/2015/10/main">
+  <p1510:revLst>
+    <p1510:client id="{0310A71F-889D-E3F8-72C2-A4561EFFB55E}" v="90" dt="2025-01-06T21:30:37.466"/>
+  </p1510:revLst>
+</p1510:revInfo>
+</file>
+
+<file path=ppt/changesInfos/changesInfo1.xml><?xml version="1.0" encoding="utf-8"?>
+<pc:chgInfo xmlns:a="http://schemas.openxmlformats.org/drawingml/2006/main" xmlns:r="http://schemas.openxmlformats.org/officeDocument/2006/relationships" xmlns:ac="http://schemas.microsoft.com/office/drawing/2013/main/command" xmlns:pc="http://schemas.microsoft.com/office/powerpoint/2013/main/command">
+  <pc:docChgLst>
+    <pc:chgData name="Bonney, Kirk Lane" userId="S::klbonne@sandia.gov::7ec7e2e5-322f-4962-a755-75060357d6d4" providerId="AD" clId="Web-{0310A71F-889D-E3F8-72C2-A4561EFFB55E}"/>
+    <pc:docChg chg="modSld">
+      <pc:chgData name="Bonney, Kirk Lane" userId="S::klbonne@sandia.gov::7ec7e2e5-322f-4962-a755-75060357d6d4" providerId="AD" clId="Web-{0310A71F-889D-E3F8-72C2-A4561EFFB55E}" dt="2025-01-06T21:30:37.466" v="85"/>
+      <pc:docMkLst>
+        <pc:docMk/>
+      </pc:docMkLst>
+      <pc:sldChg chg="modSp modCm">
+        <pc:chgData name="Bonney, Kirk Lane" userId="S::klbonne@sandia.gov::7ec7e2e5-322f-4962-a755-75060357d6d4" providerId="AD" clId="Web-{0310A71F-889D-E3F8-72C2-A4561EFFB55E}" dt="2025-01-06T21:30:37.466" v="85"/>
+        <pc:sldMkLst>
+          <pc:docMk/>
+          <pc:sldMk cId="561752910" sldId="257"/>
+        </pc:sldMkLst>
+        <pc:spChg chg="mod">
+          <ac:chgData name="Bonney, Kirk Lane" userId="S::klbonne@sandia.gov::7ec7e2e5-322f-4962-a755-75060357d6d4" providerId="AD" clId="Web-{0310A71F-889D-E3F8-72C2-A4561EFFB55E}" dt="2025-01-06T21:28:24.308" v="53" actId="20577"/>
+          <ac:spMkLst>
+            <pc:docMk/>
+            <pc:sldMk cId="561752910" sldId="257"/>
+            <ac:spMk id="39" creationId="{00000000-0000-0000-0000-000000000000}"/>
+          </ac:spMkLst>
+        </pc:spChg>
+        <pc:graphicFrameChg chg="mod modGraphic">
+          <ac:chgData name="Bonney, Kirk Lane" userId="S::klbonne@sandia.gov::7ec7e2e5-322f-4962-a755-75060357d6d4" providerId="AD" clId="Web-{0310A71F-889D-E3F8-72C2-A4561EFFB55E}" dt="2025-01-06T21:30:37.466" v="85"/>
+          <ac:graphicFrameMkLst>
+            <pc:docMk/>
+            <pc:sldMk cId="561752910" sldId="257"/>
+            <ac:graphicFrameMk id="48" creationId="{3AEE551E-897E-2929-EE8C-187D939F5E20}"/>
+          </ac:graphicFrameMkLst>
+        </pc:graphicFrameChg>
+        <pc:extLst>
+          <p:ext xmlns:p="http://schemas.openxmlformats.org/presentationml/2006/main" uri="{D6D511B9-2390-475A-947B-AFAB55BFBCF1}">
+            <pc226:cmChg xmlns:pc226="http://schemas.microsoft.com/office/powerpoint/2022/06/main/command" chg="mod">
+              <pc226:chgData name="Bonney, Kirk Lane" userId="S::klbonne@sandia.gov::7ec7e2e5-322f-4962-a755-75060357d6d4" providerId="AD" clId="Web-{0310A71F-889D-E3F8-72C2-A4561EFFB55E}" dt="2025-01-06T21:27:34.386" v="52" actId="20577"/>
+              <pc2:cmMkLst xmlns:pc2="http://schemas.microsoft.com/office/powerpoint/2019/9/main/command">
+                <pc:docMk/>
+                <pc:sldMk cId="561752910" sldId="257"/>
+                <pc2:cmMk id="{9FF7DED2-A667-4EC3-952B-864B9B0FA816}"/>
+              </pc2:cmMkLst>
+            </pc226:cmChg>
+          </p:ext>
+        </pc:extLst>
+      </pc:sldChg>
+    </pc:docChg>
+  </pc:docChgLst>
+  <pc:docChgLst>
+    <pc:chgData name="Bonney, Kirk Lane" userId="S::klbonne@sandia.gov::7ec7e2e5-322f-4962-a755-75060357d6d4" providerId="AD" clId="Web-{8DDF0D1A-9777-7B32-1B41-8F7A1DA82507}"/>
+    <pc:docChg chg="mod modSld">
+      <pc:chgData name="Bonney, Kirk Lane" userId="S::klbonne@sandia.gov::7ec7e2e5-322f-4962-a755-75060357d6d4" providerId="AD" clId="Web-{8DDF0D1A-9777-7B32-1B41-8F7A1DA82507}" dt="2024-12-16T18:47:15.085" v="330"/>
+      <pc:docMkLst>
+        <pc:docMk/>
+      </pc:docMkLst>
+      <pc:sldChg chg="modSp">
+        <pc:chgData name="Bonney, Kirk Lane" userId="S::klbonne@sandia.gov::7ec7e2e5-322f-4962-a755-75060357d6d4" providerId="AD" clId="Web-{8DDF0D1A-9777-7B32-1B41-8F7A1DA82507}" dt="2024-12-16T18:45:40.583" v="329"/>
+        <pc:sldMkLst>
+          <pc:docMk/>
+          <pc:sldMk cId="561752910" sldId="257"/>
+        </pc:sldMkLst>
+        <pc:graphicFrameChg chg="mod modGraphic">
+          <ac:chgData name="Bonney, Kirk Lane" userId="S::klbonne@sandia.gov::7ec7e2e5-322f-4962-a755-75060357d6d4" providerId="AD" clId="Web-{8DDF0D1A-9777-7B32-1B41-8F7A1DA82507}" dt="2024-12-16T18:45:40.583" v="329"/>
+          <ac:graphicFrameMkLst>
+            <pc:docMk/>
+            <pc:sldMk cId="561752910" sldId="257"/>
+            <ac:graphicFrameMk id="48" creationId="{3AEE551E-897E-2929-EE8C-187D939F5E20}"/>
+          </ac:graphicFrameMkLst>
+        </pc:graphicFrameChg>
+      </pc:sldChg>
+    </pc:docChg>
+  </pc:docChgLst>
+</pc:chgInfo>
+</file>
+
+<file path=ppt/comments/modernComment_101_217BAB4E.xml><?xml version="1.0" encoding="utf-8"?>
+<p188:cmLst xmlns:a="http://schemas.openxmlformats.org/drawingml/2006/main" xmlns:r="http://schemas.openxmlformats.org/officeDocument/2006/relationships" xmlns:p188="http://schemas.microsoft.com/office/powerpoint/2018/8/main">
+  <p188:cm id="{9FF7DED2-A667-4EC3-952B-864B9B0FA816}" authorId="{C68F20BD-5FE6-94EC-7D02-7E480943A96B}" created="2024-12-16T18:47:15.085">
+    <ac:txMkLst xmlns:ac="http://schemas.microsoft.com/office/drawing/2013/main/command">
+      <pc:docMk xmlns:pc="http://schemas.microsoft.com/office/powerpoint/2013/main/command"/>
+      <pc:sldMk xmlns:pc="http://schemas.microsoft.com/office/powerpoint/2013/main/command" cId="561752910" sldId="257"/>
+      <ac:spMk id="39" creationId="{00000000-0000-0000-0000-000000000000}"/>
+      <ac:txMk cp="580" len="64">
+        <ac:context len="646" hash="1266994117"/>
+      </ac:txMk>
+    </ac:txMkLst>
+    <p188:pos x="4070350" y="1790700"/>
+    <p188:replyLst>
+      <p188:reply id="{D7E29FE4-B00C-4D74-A929-DEF75DCBA766}" authorId="{C68F20BD-5FE6-94EC-7D02-7E480943A96B}" created="2024-12-16T18:56:35.020">
+        <p188:txBody>
+          <a:bodyPr/>
+          <a:lstStyle/>
+          <a:p>
+            <a:r>
+              <a:rPr lang="en-US"/>
+              <a:t>Add link to WNTR documentation page on the water network model.</a:t>
+            </a:r>
+          </a:p>
+        </p188:txBody>
+      </p188:reply>
+    </p188:replyLst>
+    <p188:txBody>
+      <a:bodyPr/>
+      <a:lstStyle/>
+      <a:p>
+        <a:r>
+          <a:rPr lang="en-US"/>
+          <a:t>Could not find this presentation</a:t>
+        </a:r>
+      </a:p>
+    </p188:txBody>
+  </p188:cm>
+</p188:cmLst>
+</file>
+
 <file path=ppt/slideLayouts/slideLayout1.xml><?xml version="1.0" encoding="utf-8"?>
 <p:sldLayout xmlns:a="http://schemas.openxmlformats.org/drawingml/2006/main" xmlns:r="http://schemas.openxmlformats.org/officeDocument/2006/relationships" xmlns:p="http://schemas.openxmlformats.org/presentationml/2006/main" type="title" preserve="1">
   <p:cSld name="Title Slide">
@@ -243,7 +370,7 @@
           <a:p>
             <a:fld id="{78AFBD30-E760-4572-B462-738943907F1A}" type="datetimeFigureOut">
               <a:rPr lang="en-US" smtClean="0"/>
-              <a:t>11/13/2024</a:t>
+              <a:t>1/6/2025</a:t>
             </a:fld>
             <a:endParaRPr lang="en-US"/>
           </a:p>
@@ -413,7 +540,7 @@
           <a:p>
             <a:fld id="{78AFBD30-E760-4572-B462-738943907F1A}" type="datetimeFigureOut">
               <a:rPr lang="en-US" smtClean="0"/>
-              <a:t>11/13/2024</a:t>
+              <a:t>1/6/2025</a:t>
             </a:fld>
             <a:endParaRPr lang="en-US"/>
           </a:p>
@@ -593,7 +720,7 @@
           <a:p>
             <a:fld id="{78AFBD30-E760-4572-B462-738943907F1A}" type="datetimeFigureOut">
               <a:rPr lang="en-US" smtClean="0"/>
-              <a:t>11/13/2024</a:t>
+              <a:t>1/6/2025</a:t>
             </a:fld>
             <a:endParaRPr lang="en-US"/>
           </a:p>
@@ -763,7 +890,7 @@
           <a:p>
             <a:fld id="{78AFBD30-E760-4572-B462-738943907F1A}" type="datetimeFigureOut">
               <a:rPr lang="en-US" smtClean="0"/>
-              <a:t>11/13/2024</a:t>
+              <a:t>1/6/2025</a:t>
             </a:fld>
             <a:endParaRPr lang="en-US"/>
           </a:p>
@@ -1007,7 +1134,7 @@
           <a:p>
             <a:fld id="{78AFBD30-E760-4572-B462-738943907F1A}" type="datetimeFigureOut">
               <a:rPr lang="en-US" smtClean="0"/>
-              <a:t>11/13/2024</a:t>
+              <a:t>1/6/2025</a:t>
             </a:fld>
             <a:endParaRPr lang="en-US"/>
           </a:p>
@@ -1239,7 +1366,7 @@
           <a:p>
             <a:fld id="{78AFBD30-E760-4572-B462-738943907F1A}" type="datetimeFigureOut">
               <a:rPr lang="en-US" smtClean="0"/>
-              <a:t>11/13/2024</a:t>
+              <a:t>1/6/2025</a:t>
             </a:fld>
             <a:endParaRPr lang="en-US"/>
           </a:p>
@@ -1606,7 +1733,7 @@
           <a:p>
             <a:fld id="{78AFBD30-E760-4572-B462-738943907F1A}" type="datetimeFigureOut">
               <a:rPr lang="en-US" smtClean="0"/>
-              <a:t>11/13/2024</a:t>
+              <a:t>1/6/2025</a:t>
             </a:fld>
             <a:endParaRPr lang="en-US"/>
           </a:p>
@@ -1724,7 +1851,7 @@
           <a:p>
             <a:fld id="{78AFBD30-E760-4572-B462-738943907F1A}" type="datetimeFigureOut">
               <a:rPr lang="en-US" smtClean="0"/>
-              <a:t>11/13/2024</a:t>
+              <a:t>1/6/2025</a:t>
             </a:fld>
             <a:endParaRPr lang="en-US"/>
           </a:p>
@@ -1819,7 +1946,7 @@
           <a:p>
             <a:fld id="{78AFBD30-E760-4572-B462-738943907F1A}" type="datetimeFigureOut">
               <a:rPr lang="en-US" smtClean="0"/>
-              <a:t>11/13/2024</a:t>
+              <a:t>1/6/2025</a:t>
             </a:fld>
             <a:endParaRPr lang="en-US"/>
           </a:p>
@@ -2096,7 +2223,7 @@
           <a:p>
             <a:fld id="{78AFBD30-E760-4572-B462-738943907F1A}" type="datetimeFigureOut">
               <a:rPr lang="en-US" smtClean="0"/>
-              <a:t>11/13/2024</a:t>
+              <a:t>1/6/2025</a:t>
             </a:fld>
             <a:endParaRPr lang="en-US"/>
           </a:p>
@@ -2353,7 +2480,7 @@
           <a:p>
             <a:fld id="{78AFBD30-E760-4572-B462-738943907F1A}" type="datetimeFigureOut">
               <a:rPr lang="en-US" smtClean="0"/>
-              <a:t>11/13/2024</a:t>
+              <a:t>1/6/2025</a:t>
             </a:fld>
             <a:endParaRPr lang="en-US"/>
           </a:p>
@@ -2566,7 +2693,7 @@
           <a:p>
             <a:fld id="{78AFBD30-E760-4572-B462-738943907F1A}" type="datetimeFigureOut">
               <a:rPr lang="en-US" smtClean="0"/>
-              <a:t>11/13/2024</a:t>
+              <a:t>1/6/2025</a:t>
             </a:fld>
             <a:endParaRPr lang="en-US"/>
           </a:p>
@@ -3131,7 +3258,7 @@
           <a:noFill/>
         </p:spPr>
         <p:txBody>
-          <a:bodyPr wrap="square" rtlCol="0">
+          <a:bodyPr wrap="square" lIns="91440" tIns="45720" rIns="91440" bIns="45720" rtlCol="0" anchor="t">
             <a:spAutoFit/>
           </a:bodyPr>
           <a:lstStyle/>
@@ -3151,7 +3278,7 @@
             </a:r>
             <a:r>
               <a:rPr lang="en-US" sz="1150" dirty="0">
-                <a:hlinkClick r:id="rId2"/>
+                <a:hlinkClick r:id="rId3"/>
               </a:rPr>
               <a:t>EPANET 2.2 online user manual</a:t>
             </a:r>
@@ -3161,7 +3288,7 @@
             </a:r>
             <a:r>
               <a:rPr lang="en-US" sz="1150" dirty="0">
-                <a:hlinkClick r:id="rId3"/>
+                <a:hlinkClick r:id="rId4"/>
               </a:rPr>
               <a:t>Small System Challenges and Solutions</a:t>
             </a:r>
@@ -3480,7 +3607,7 @@
           <p:nvPr/>
         </p:nvPicPr>
         <p:blipFill>
-          <a:blip r:embed="rId4" cstate="print">
+          <a:blip r:embed="rId5" cstate="print">
             <a:alphaModFix amt="56000"/>
             <a:extLst>
               <a:ext uri="{28A0092B-C50C-407E-A947-70E740481C1C}">
@@ -3682,7 +3809,7 @@
           <p:nvPr/>
         </p:nvPicPr>
         <p:blipFill>
-          <a:blip r:embed="rId5">
+          <a:blip r:embed="rId6">
             <a:extLst>
               <a:ext uri="{28A0092B-C50C-407E-A947-70E740481C1C}">
                 <a14:useLocalDpi xmlns:a14="http://schemas.microsoft.com/office/drawing/2010/main" val="0"/>
@@ -3712,7 +3839,7 @@
           <p:nvPr/>
         </p:nvPicPr>
         <p:blipFill>
-          <a:blip r:embed="rId6">
+          <a:blip r:embed="rId7">
             <a:extLst>
               <a:ext uri="{28A0092B-C50C-407E-A947-70E740481C1C}">
                 <a14:useLocalDpi xmlns:a14="http://schemas.microsoft.com/office/drawing/2010/main" val="0"/>
@@ -3748,7 +3875,7 @@
           <p:nvPr/>
         </p:nvPicPr>
         <p:blipFill>
-          <a:blip r:embed="rId7">
+          <a:blip r:embed="rId8">
             <a:extLst>
               <a:ext uri="{28A0092B-C50C-407E-A947-70E740481C1C}">
                 <a14:useLocalDpi xmlns:a14="http://schemas.microsoft.com/office/drawing/2010/main" val="0"/>
@@ -3841,14 +3968,14 @@
           <p:nvPr>
             <p:extLst>
               <p:ext uri="{D42A27DB-BD31-4B8C-83A1-F6EECF244321}">
-                <p14:modId xmlns:p14="http://schemas.microsoft.com/office/powerpoint/2010/main" val="153497859"/>
+                <p14:modId xmlns:p14="http://schemas.microsoft.com/office/powerpoint/2010/main" val="1903847199"/>
               </p:ext>
             </p:extLst>
           </p:nvPr>
         </p:nvGraphicFramePr>
         <p:xfrm>
           <a:off x="237669" y="3179522"/>
-          <a:ext cx="7207746" cy="6241974"/>
+          <a:ext cx="7207746" cy="6214947"/>
         </p:xfrm>
         <a:graphic>
           <a:graphicData uri="http://schemas.openxmlformats.org/drawingml/2006/table">
@@ -4137,7 +4264,7 @@
                         <a:rPr lang="en-US" sz="900" dirty="0">
                           <a:effectLst/>
                         </a:rPr>
-                        <a:t>Junctions are nodes that connect links (pipes, pumps, and valves)</a:t>
+                        <a:t>Junctions are nodes that connect links (pipes, pumps, and valves).</a:t>
                       </a:r>
                       <a:endParaRPr lang="en-US" sz="900" dirty="0">
                         <a:effectLst/>
@@ -4166,82 +4293,10 @@
                         </a:spcAft>
                       </a:pPr>
                       <a:r>
-                        <a:rPr lang="en-US" sz="900">
+                        <a:rPr lang="en-US" sz="900" dirty="0">
                           <a:effectLst/>
                         </a:rPr>
                         <a:t>Required to connect components</a:t>
-                      </a:r>
-                      <a:endParaRPr lang="en-US" sz="900">
-                        <a:effectLst/>
-                        <a:latin typeface="Calibri" panose="020F0502020204030204" pitchFamily="34" charset="0"/>
-                        <a:ea typeface="Calibri" panose="020F0502020204030204" pitchFamily="34" charset="0"/>
-                        <a:cs typeface="Arial" panose="020B0604020202020204" pitchFamily="34" charset="0"/>
-                      </a:endParaRPr>
-                    </a:p>
-                  </a:txBody>
-                  <a:tcPr marL="63439" marR="63439" marT="0" marB="0"/>
-                </a:tc>
-                <a:tc>
-                  <a:txBody>
-                    <a:bodyPr/>
-                    <a:lstStyle/>
-                    <a:p>
-                      <a:pPr marL="111125" marR="0" lvl="0" indent="-111125">
-                        <a:lnSpc>
-                          <a:spcPct val="107000"/>
-                        </a:lnSpc>
-                        <a:spcBef>
-                          <a:spcPts val="0"/>
-                        </a:spcBef>
-                        <a:spcAft>
-                          <a:spcPts val="0"/>
-                        </a:spcAft>
-                        <a:buFont typeface="Calibri" panose="020F0502020204030204" pitchFamily="34" charset="0"/>
-                        <a:buChar char="-"/>
-                      </a:pPr>
-                      <a:r>
-                        <a:rPr lang="en-US" sz="900" dirty="0">
-                          <a:effectLst/>
-                        </a:rPr>
-                        <a:t> Location*</a:t>
-                      </a:r>
-                    </a:p>
-                    <a:p>
-                      <a:pPr marL="48260" marR="0">
-                        <a:lnSpc>
-                          <a:spcPct val="107000"/>
-                        </a:lnSpc>
-                        <a:spcBef>
-                          <a:spcPts val="0"/>
-                        </a:spcBef>
-                        <a:spcAft>
-                          <a:spcPts val="0"/>
-                        </a:spcAft>
-                      </a:pPr>
-                      <a:r>
-                        <a:rPr lang="en-US" sz="900" dirty="0">
-                          <a:effectLst/>
-                        </a:rPr>
-                        <a:t> </a:t>
-                      </a:r>
-                    </a:p>
-                    <a:p>
-                      <a:pPr marL="48260" marR="0" indent="-60325">
-                        <a:lnSpc>
-                          <a:spcPct val="107000"/>
-                        </a:lnSpc>
-                        <a:spcBef>
-                          <a:spcPts val="0"/>
-                        </a:spcBef>
-                        <a:spcAft>
-                          <a:spcPts val="0"/>
-                        </a:spcAft>
-                      </a:pPr>
-                      <a:r>
-                        <a:rPr lang="en-US" sz="900" dirty="0">
-                          <a:effectLst/>
-                        </a:rPr>
-                        <a:t>* Location for all components includes the X and Y position along with elevation.  X and Y can be in any coordinate system.  WNTR uses SI units for all other attributes.</a:t>
                       </a:r>
                       <a:endParaRPr lang="en-US" sz="900" dirty="0">
                         <a:effectLst/>
@@ -4258,6 +4313,161 @@
                     <a:bodyPr/>
                     <a:lstStyle/>
                     <a:p>
+                      <a:pPr marL="171450" marR="0" lvl="0" indent="-171450">
+                        <a:lnSpc>
+                          <a:spcPct val="107000"/>
+                        </a:lnSpc>
+                        <a:spcBef>
+                          <a:spcPts val="0"/>
+                        </a:spcBef>
+                        <a:spcAft>
+                          <a:spcPts val="0"/>
+                        </a:spcAft>
+                        <a:buFont typeface="Calibri"/>
+                        <a:buChar char="-"/>
+                      </a:pPr>
+                      <a:r>
+                        <a:rPr lang="en-US" sz="900">
+                          <a:effectLst/>
+                        </a:rPr>
+                        <a:t>Location*</a:t>
+                      </a:r>
+                    </a:p>
+                    <a:p>
+                      <a:pPr lvl="0" algn="l">
+                        <a:lnSpc>
+                          <a:spcPct val="100000"/>
+                        </a:lnSpc>
+                        <a:spcBef>
+                          <a:spcPts val="0"/>
+                        </a:spcBef>
+                        <a:spcAft>
+                          <a:spcPts val="0"/>
+                        </a:spcAft>
+                        <a:buNone/>
+                      </a:pPr>
+                      <a:r>
+                        <a:rPr lang="en-US" sz="900" b="0" i="0" u="none" strike="noStrike" noProof="0">
+                          <a:effectLst/>
+                          <a:latin typeface="Calibri"/>
+                        </a:rPr>
+                        <a:t>* Location for all components</a:t>
+                      </a:r>
+                      <a:endParaRPr lang="en-US"/>
+                    </a:p>
+                    <a:p>
+                      <a:pPr lvl="0" algn="l">
+                        <a:lnSpc>
+                          <a:spcPct val="100000"/>
+                        </a:lnSpc>
+                        <a:spcBef>
+                          <a:spcPts val="0"/>
+                        </a:spcBef>
+                        <a:spcAft>
+                          <a:spcPts val="0"/>
+                        </a:spcAft>
+                        <a:buNone/>
+                      </a:pPr>
+                      <a:r>
+                        <a:rPr lang="en-US" sz="900" b="0" i="0" u="none" strike="noStrike" noProof="0">
+                          <a:effectLst/>
+                          <a:latin typeface="Calibri"/>
+                        </a:rPr>
+                        <a:t>includes the X and Y position along</a:t>
+                      </a:r>
+                      <a:endParaRPr lang="en-US"/>
+                    </a:p>
+                    <a:p>
+                      <a:pPr lvl="0" algn="l">
+                        <a:lnSpc>
+                          <a:spcPct val="100000"/>
+                        </a:lnSpc>
+                        <a:spcBef>
+                          <a:spcPts val="0"/>
+                        </a:spcBef>
+                        <a:spcAft>
+                          <a:spcPts val="0"/>
+                        </a:spcAft>
+                        <a:buNone/>
+                      </a:pPr>
+                      <a:r>
+                        <a:rPr lang="en-US" sz="900" b="0" i="0" u="none" strike="noStrike" noProof="0">
+                          <a:effectLst/>
+                          <a:latin typeface="Calibri"/>
+                        </a:rPr>
+                        <a:t>with elevation. X and Y can be in</a:t>
+                      </a:r>
+                      <a:endParaRPr lang="en-US"/>
+                    </a:p>
+                    <a:p>
+                      <a:pPr lvl="0" algn="l">
+                        <a:lnSpc>
+                          <a:spcPct val="100000"/>
+                        </a:lnSpc>
+                        <a:spcBef>
+                          <a:spcPts val="0"/>
+                        </a:spcBef>
+                        <a:spcAft>
+                          <a:spcPts val="0"/>
+                        </a:spcAft>
+                        <a:buNone/>
+                      </a:pPr>
+                      <a:r>
+                        <a:rPr lang="en-US" sz="900" b="0" i="0" u="none" strike="noStrike" noProof="0">
+                          <a:effectLst/>
+                          <a:latin typeface="Calibri"/>
+                        </a:rPr>
+                        <a:t>any coordinate system. WNTR uses</a:t>
+                      </a:r>
+                      <a:endParaRPr lang="en-US"/>
+                    </a:p>
+                    <a:p>
+                      <a:pPr marL="0" marR="0" lvl="0" indent="0">
+                        <a:lnSpc>
+                          <a:spcPct val="107000"/>
+                        </a:lnSpc>
+                        <a:spcBef>
+                          <a:spcPts val="0"/>
+                        </a:spcBef>
+                        <a:spcAft>
+                          <a:spcPts val="0"/>
+                        </a:spcAft>
+                        <a:buNone/>
+                      </a:pPr>
+                      <a:r>
+                        <a:rPr lang="en-US" sz="900" b="0" i="0" u="none" strike="noStrike" noProof="0">
+                          <a:effectLst/>
+                          <a:latin typeface="Calibri"/>
+                        </a:rPr>
+                        <a:t>SI units for all other attributes.</a:t>
+                      </a:r>
+                      <a:endParaRPr lang="en-US"/>
+                    </a:p>
+                    <a:p>
+                      <a:pPr marL="0" marR="0" lvl="0" indent="0">
+                        <a:lnSpc>
+                          <a:spcPct val="107000"/>
+                        </a:lnSpc>
+                        <a:spcBef>
+                          <a:spcPts val="0"/>
+                        </a:spcBef>
+                        <a:spcAft>
+                          <a:spcPts val="0"/>
+                        </a:spcAft>
+                        <a:buNone/>
+                      </a:pPr>
+                      <a:endParaRPr lang="en-US" sz="900" dirty="0">
+                        <a:effectLst/>
+                      </a:endParaRPr>
+                    </a:p>
+                  </a:txBody>
+                  <a:tcPr marL="63439" marR="63439" marT="0" marB="0"/>
+                </a:tc>
+                <a:tc>
+                  <a:txBody>
+                    <a:bodyPr/>
+                    <a:lstStyle/>
+                    <a:p>
                       <a:pPr marL="0" marR="0">
                         <a:lnSpc>
                           <a:spcPct val="107000"/>
@@ -4273,7 +4483,7 @@
                         <a:rPr lang="en-US" sz="900" dirty="0">
                           <a:effectLst/>
                         </a:rPr>
-                        <a:t>The location of junctions can be inferred from link start and end location</a:t>
+                        <a:t>The location of junctions can be inferred from link start and end location.</a:t>
                       </a:r>
                       <a:br>
                         <a:rPr lang="en-US" sz="900" dirty="0">
@@ -4325,12 +4535,12 @@
                         </a:spcAft>
                       </a:pPr>
                       <a:r>
-                        <a:rPr lang="en-US" sz="1000">
+                        <a:rPr lang="en-US" sz="1000" dirty="0">
                           <a:effectLst/>
                         </a:rPr>
                         <a:t>Demand points</a:t>
                       </a:r>
-                      <a:endParaRPr lang="en-US" sz="1000">
+                      <a:endParaRPr lang="en-US" sz="1000" dirty="0">
                         <a:effectLst/>
                         <a:latin typeface="Calibri" panose="020F0502020204030204" pitchFamily="34" charset="0"/>
                         <a:ea typeface="Calibri" panose="020F0502020204030204" pitchFamily="34" charset="0"/>
@@ -4361,28 +4571,28 @@
                         </a:spcAft>
                       </a:pPr>
                       <a:r>
-                        <a:rPr lang="en-US" sz="900">
-                          <a:effectLst/>
-                        </a:rPr>
-                        <a:t>Demand points are junctions that also include water withdrawal</a:t>
+                        <a:rPr lang="en-US" sz="900" dirty="0">
+                          <a:effectLst/>
+                        </a:rPr>
+                        <a:t>Demand points are junctions that also include water withdrawal over time.</a:t>
                       </a:r>
                       <a:br>
-                        <a:rPr lang="en-US" sz="900">
+                        <a:rPr lang="en-US" sz="900" dirty="0">
                           <a:effectLst/>
                         </a:rPr>
                       </a:br>
                       <a:br>
-                        <a:rPr lang="en-US" sz="900">
+                        <a:rPr lang="en-US" sz="900" dirty="0">
                           <a:effectLst/>
                         </a:rPr>
                       </a:br>
                       <a:r>
-                        <a:rPr lang="en-US" sz="900">
-                          <a:effectLst/>
-                        </a:rPr>
-                        <a:t>Demand points can represent an individual household/building, a neighborhood, a zip code, or a census block</a:t>
+                        <a:rPr lang="en-US" sz="900" dirty="0">
+                          <a:effectLst/>
+                        </a:rPr>
+                        <a:t>Demand points can represent an individual household / building, a neighborhood, a zip code, or a census block.</a:t>
                       </a:r>
-                      <a:endParaRPr lang="en-US" sz="900">
+                      <a:endParaRPr lang="en-US" sz="900" dirty="0">
                         <a:effectLst/>
                         <a:latin typeface="Calibri" panose="020F0502020204030204" pitchFamily="34" charset="0"/>
                         <a:ea typeface="Calibri" panose="020F0502020204030204" pitchFamily="34" charset="0"/>
@@ -4409,17 +4619,11 @@
                         </a:spcAft>
                       </a:pPr>
                       <a:r>
-                        <a:rPr lang="en-US" sz="900">
-                          <a:effectLst/>
-                        </a:rPr>
-                        <a:t>All models include demand</a:t>
+                        <a:rPr lang="en-US" sz="900" dirty="0">
+                          <a:effectLst/>
+                        </a:rPr>
+                        <a:t>Required for hydraulic simulation</a:t>
                       </a:r>
-                      <a:endParaRPr lang="en-US" sz="900">
-                        <a:effectLst/>
-                        <a:latin typeface="Calibri" panose="020F0502020204030204" pitchFamily="34" charset="0"/>
-                        <a:ea typeface="Calibri" panose="020F0502020204030204" pitchFamily="34" charset="0"/>
-                        <a:cs typeface="Arial" panose="020B0604020202020204" pitchFamily="34" charset="0"/>
-                      </a:endParaRPr>
                     </a:p>
                   </a:txBody>
                   <a:tcPr marL="63439" marR="63439" marT="0" marB="0"/>
@@ -4429,7 +4633,7 @@
                     <a:bodyPr/>
                     <a:lstStyle/>
                     <a:p>
-                      <a:pPr marL="111125" marR="0" lvl="0" indent="-111125">
+                      <a:pPr marL="171450" marR="0" lvl="0" indent="-171450">
                         <a:lnSpc>
                           <a:spcPct val="107000"/>
                         </a:lnSpc>
@@ -4439,18 +4643,19 @@
                         <a:spcAft>
                           <a:spcPts val="0"/>
                         </a:spcAft>
-                        <a:buFont typeface="Calibri" panose="020F0502020204030204" pitchFamily="34" charset="0"/>
+                        <a:buFont typeface="Calibri"/>
                         <a:buChar char="-"/>
                       </a:pPr>
                       <a:r>
                         <a:rPr lang="en-US" sz="900" dirty="0">
                           <a:effectLst/>
                         </a:rPr>
-                        <a:t> Location</a:t>
+                        <a:t>Location</a:t>
                       </a:r>
+                      <a:endParaRPr lang="en-US" dirty="0"/>
                     </a:p>
                     <a:p>
-                      <a:pPr marL="111125" marR="0" lvl="0" indent="-111125">
+                      <a:pPr marL="171450" marR="0" lvl="0" indent="-171450">
                         <a:lnSpc>
                           <a:spcPct val="107000"/>
                         </a:lnSpc>
@@ -4460,18 +4665,19 @@
                         <a:spcAft>
                           <a:spcPts val="0"/>
                         </a:spcAft>
-                        <a:buFont typeface="Calibri" panose="020F0502020204030204" pitchFamily="34" charset="0"/>
+                        <a:buFont typeface="Calibri"/>
                         <a:buChar char="-"/>
                       </a:pPr>
                       <a:r>
                         <a:rPr lang="en-US" sz="900" dirty="0">
                           <a:effectLst/>
                         </a:rPr>
-                        <a:t>Base demand rate (volume per time) </a:t>
+                        <a:t>Base demand rate (volume per time)</a:t>
                       </a:r>
+                      <a:endParaRPr lang="en-US" dirty="0"/>
                     </a:p>
                     <a:p>
-                      <a:pPr marL="111125" marR="0" lvl="0" indent="-111125">
+                      <a:pPr marL="171450" marR="0" lvl="0" indent="-171450">
                         <a:lnSpc>
                           <a:spcPct val="107000"/>
                         </a:lnSpc>
@@ -4481,7 +4687,7 @@
                         <a:spcAft>
                           <a:spcPts val="0"/>
                         </a:spcAft>
-                        <a:buFont typeface="Calibri" panose="020F0502020204030204" pitchFamily="34" charset="0"/>
+                        <a:buFont typeface="Calibri"/>
                         <a:buChar char="-"/>
                       </a:pPr>
                       <a:r>
@@ -4490,6 +4696,7 @@
                         </a:rPr>
                         <a:t>Demand pattern</a:t>
                       </a:r>
+                      <a:endParaRPr lang="en-US" dirty="0"/>
                     </a:p>
                     <a:p>
                       <a:pPr marL="0" marR="0">
@@ -4544,7 +4751,7 @@
                         <a:rPr lang="en-US" sz="900" dirty="0">
                           <a:effectLst/>
                         </a:rPr>
-                        <a:t>Demand location and base value can be approximated in several ways, for example from open-source data on building footprints</a:t>
+                        <a:t>Demand location and base value can be approximated in several ways, for example from open-source data on building footprints.</a:t>
                       </a:r>
                       <a:br>
                         <a:rPr lang="en-US" sz="900" dirty="0">
@@ -4560,7 +4767,7 @@
                         <a:rPr lang="en-US" sz="900" dirty="0">
                           <a:effectLst/>
                         </a:rPr>
-                        <a:t>General demand patterns can be used (i.e., peak mid-day for commercial use or peak morning and evening for residential use)</a:t>
+                        <a:t>General demand patterns can be used (i.e., peak mid-day for commercial use or peak morning and evening for residential use).</a:t>
                       </a:r>
                       <a:endParaRPr lang="en-US" sz="900" dirty="0">
                         <a:effectLst/>
@@ -4596,12 +4803,12 @@
                         </a:spcAft>
                       </a:pPr>
                       <a:r>
-                        <a:rPr lang="en-US" sz="1000">
+                        <a:rPr lang="en-US" sz="1000" dirty="0">
                           <a:effectLst/>
                         </a:rPr>
                         <a:t>Reservoir</a:t>
                       </a:r>
-                      <a:endParaRPr lang="en-US" sz="1000">
+                      <a:endParaRPr lang="en-US" sz="1000" dirty="0">
                         <a:effectLst/>
                         <a:latin typeface="Calibri" panose="020F0502020204030204" pitchFamily="34" charset="0"/>
                         <a:ea typeface="Calibri" panose="020F0502020204030204" pitchFamily="34" charset="0"/>
@@ -4632,12 +4839,12 @@
                         </a:spcAft>
                       </a:pPr>
                       <a:r>
-                        <a:rPr lang="en-US" sz="900">
-                          <a:effectLst/>
-                        </a:rPr>
-                        <a:t>Reservoirs are nodes that define the water source, generally the water treatment plant</a:t>
+                        <a:rPr lang="en-US" sz="900" dirty="0">
+                          <a:effectLst/>
+                        </a:rPr>
+                        <a:t>Reservoirs are nodes that define the water source, generally the water treatment plant.</a:t>
                       </a:r>
-                      <a:endParaRPr lang="en-US" sz="900">
+                      <a:endParaRPr lang="en-US" sz="900" dirty="0">
                         <a:effectLst/>
                         <a:latin typeface="Calibri" panose="020F0502020204030204" pitchFamily="34" charset="0"/>
                         <a:ea typeface="Calibri" panose="020F0502020204030204" pitchFamily="34" charset="0"/>
@@ -4664,12 +4871,12 @@
                         </a:spcAft>
                       </a:pPr>
                       <a:r>
-                        <a:rPr lang="en-US" sz="900">
+                        <a:rPr lang="en-US" sz="900" dirty="0">
                           <a:effectLst/>
                         </a:rPr>
                         <a:t>All models must contain at least one source</a:t>
                       </a:r>
-                      <a:endParaRPr lang="en-US" sz="900">
+                      <a:endParaRPr lang="en-US" sz="900" dirty="0">
                         <a:effectLst/>
                         <a:latin typeface="Calibri" panose="020F0502020204030204" pitchFamily="34" charset="0"/>
                         <a:ea typeface="Calibri" panose="020F0502020204030204" pitchFamily="34" charset="0"/>
@@ -4751,12 +4958,12 @@
                         </a:spcAft>
                       </a:pPr>
                       <a:r>
-                        <a:rPr lang="en-US" sz="900">
+                        <a:rPr lang="en-US" sz="900" dirty="0">
                           <a:effectLst/>
                         </a:rPr>
                         <a:t>Location is generally known or can be estimated using online maps of the region. Pressure can be estimated if needed.</a:t>
                       </a:r>
-                      <a:endParaRPr lang="en-US" sz="900">
+                      <a:endParaRPr lang="en-US" sz="900" dirty="0">
                         <a:effectLst/>
                         <a:latin typeface="Calibri" panose="020F0502020204030204" pitchFamily="34" charset="0"/>
                         <a:ea typeface="Calibri" panose="020F0502020204030204" pitchFamily="34" charset="0"/>
@@ -4790,12 +4997,12 @@
                         </a:spcAft>
                       </a:pPr>
                       <a:r>
-                        <a:rPr lang="en-US" sz="1000">
+                        <a:rPr lang="en-US" sz="1000" dirty="0">
                           <a:effectLst/>
                         </a:rPr>
                         <a:t>Tanks</a:t>
                       </a:r>
-                      <a:endParaRPr lang="en-US" sz="1000">
+                      <a:endParaRPr lang="en-US" sz="1000" dirty="0">
                         <a:effectLst/>
                         <a:latin typeface="Calibri" panose="020F0502020204030204" pitchFamily="34" charset="0"/>
                         <a:ea typeface="Calibri" panose="020F0502020204030204" pitchFamily="34" charset="0"/>
@@ -4826,12 +5033,12 @@
                         </a:spcAft>
                       </a:pPr>
                       <a:r>
-                        <a:rPr lang="en-US" sz="900">
-                          <a:effectLst/>
-                        </a:rPr>
-                        <a:t>Tanks are nodes with storage capacity </a:t>
+                        <a:rPr lang="en-US" sz="900" dirty="0">
+                          <a:effectLst/>
+                        </a:rPr>
+                        <a:t>Tanks are nodes with storage capacity.</a:t>
                       </a:r>
-                      <a:endParaRPr lang="en-US" sz="900">
+                      <a:endParaRPr lang="en-US" sz="900" dirty="0">
                         <a:effectLst/>
                         <a:latin typeface="Calibri" panose="020F0502020204030204" pitchFamily="34" charset="0"/>
                         <a:ea typeface="Calibri" panose="020F0502020204030204" pitchFamily="34" charset="0"/>
@@ -4858,12 +5065,12 @@
                         </a:spcAft>
                       </a:pPr>
                       <a:r>
-                        <a:rPr lang="en-US" sz="900">
+                        <a:rPr lang="en-US" sz="900" dirty="0">
                           <a:effectLst/>
                         </a:rPr>
                         <a:t>Not required</a:t>
                       </a:r>
-                      <a:endParaRPr lang="en-US" sz="900">
+                      <a:endParaRPr lang="en-US" sz="900" dirty="0">
                         <a:effectLst/>
                         <a:latin typeface="Calibri" panose="020F0502020204030204" pitchFamily="34" charset="0"/>
                         <a:ea typeface="Calibri" panose="020F0502020204030204" pitchFamily="34" charset="0"/>
@@ -4966,12 +5173,12 @@
                         </a:spcAft>
                       </a:pPr>
                       <a:r>
-                        <a:rPr lang="en-US" sz="900">
-                          <a:effectLst/>
-                        </a:rPr>
-                        <a:t>Tank location and size can sometimes be approximated from satellite images</a:t>
+                        <a:rPr lang="en-US" sz="900" dirty="0">
+                          <a:effectLst/>
+                        </a:rPr>
+                        <a:t>Tank location and size can sometimes be approximated from satellite images.</a:t>
                       </a:r>
-                      <a:endParaRPr lang="en-US" sz="900">
+                      <a:endParaRPr lang="en-US" sz="900" dirty="0">
                         <a:effectLst/>
                         <a:latin typeface="Calibri" panose="020F0502020204030204" pitchFamily="34" charset="0"/>
                         <a:ea typeface="Calibri" panose="020F0502020204030204" pitchFamily="34" charset="0"/>
@@ -5005,12 +5212,12 @@
                         </a:spcAft>
                       </a:pPr>
                       <a:r>
-                        <a:rPr lang="en-US" sz="1000">
+                        <a:rPr lang="en-US" sz="1000" dirty="0">
                           <a:effectLst/>
                         </a:rPr>
                         <a:t>Pipes</a:t>
                       </a:r>
-                      <a:endParaRPr lang="en-US" sz="1000">
+                      <a:endParaRPr lang="en-US" sz="1000" dirty="0">
                         <a:effectLst/>
                         <a:latin typeface="Calibri" panose="020F0502020204030204" pitchFamily="34" charset="0"/>
                         <a:ea typeface="Calibri" panose="020F0502020204030204" pitchFamily="34" charset="0"/>
@@ -5041,12 +5248,12 @@
                         </a:spcAft>
                       </a:pPr>
                       <a:r>
-                        <a:rPr lang="en-US" sz="900">
-                          <a:effectLst/>
-                        </a:rPr>
-                        <a:t>Pipes are links that connect nodes (junctions, reservoirs, and tanks)</a:t>
+                        <a:rPr lang="en-US" sz="900" dirty="0">
+                          <a:effectLst/>
+                        </a:rPr>
+                        <a:t>Pipes are links that connect nodes (junctions, reservoirs, and tanks).</a:t>
                       </a:r>
-                      <a:endParaRPr lang="en-US" sz="900">
+                      <a:endParaRPr lang="en-US" sz="900" dirty="0">
                         <a:effectLst/>
                         <a:latin typeface="Calibri" panose="020F0502020204030204" pitchFamily="34" charset="0"/>
                         <a:ea typeface="Calibri" panose="020F0502020204030204" pitchFamily="34" charset="0"/>
@@ -5073,12 +5280,12 @@
                         </a:spcAft>
                       </a:pPr>
                       <a:r>
-                        <a:rPr lang="en-US" sz="900">
+                        <a:rPr lang="en-US" sz="900" dirty="0">
                           <a:effectLst/>
                         </a:rPr>
                         <a:t>Required to connect components</a:t>
                       </a:r>
-                      <a:endParaRPr lang="en-US" sz="900">
+                      <a:endParaRPr lang="en-US" sz="900" dirty="0">
                         <a:effectLst/>
                         <a:latin typeface="Calibri" panose="020F0502020204030204" pitchFamily="34" charset="0"/>
                         <a:ea typeface="Calibri" panose="020F0502020204030204" pitchFamily="34" charset="0"/>
@@ -5181,12 +5388,12 @@
                         </a:spcAft>
                       </a:pPr>
                       <a:r>
-                        <a:rPr lang="en-US" sz="900">
+                        <a:rPr lang="en-US" sz="900" dirty="0">
                           <a:effectLst/>
                         </a:rPr>
                         <a:t>Since pipes generally follow streets, the location of pipes can be approximated using open-source street data. Attributes like diameter and roughness can be estimated if needed.</a:t>
                       </a:r>
-                      <a:endParaRPr lang="en-US" sz="900">
+                      <a:endParaRPr lang="en-US" sz="900" dirty="0">
                         <a:effectLst/>
                         <a:latin typeface="Calibri" panose="020F0502020204030204" pitchFamily="34" charset="0"/>
                         <a:ea typeface="Calibri" panose="020F0502020204030204" pitchFamily="34" charset="0"/>
@@ -5220,12 +5427,12 @@
                         </a:spcAft>
                       </a:pPr>
                       <a:r>
-                        <a:rPr lang="en-US" sz="1000">
+                        <a:rPr lang="en-US" sz="1000" dirty="0">
                           <a:effectLst/>
                         </a:rPr>
                         <a:t>Pumps</a:t>
                       </a:r>
-                      <a:endParaRPr lang="en-US" sz="1000">
+                      <a:endParaRPr lang="en-US" sz="1000" dirty="0">
                         <a:effectLst/>
                         <a:latin typeface="Calibri" panose="020F0502020204030204" pitchFamily="34" charset="0"/>
                         <a:ea typeface="Calibri" panose="020F0502020204030204" pitchFamily="34" charset="0"/>
@@ -5256,12 +5463,12 @@
                         </a:spcAft>
                       </a:pPr>
                       <a:r>
-                        <a:rPr lang="en-US" sz="900">
-                          <a:effectLst/>
-                        </a:rPr>
-                        <a:t>Pumps are links that raise the hydraulic head</a:t>
+                        <a:rPr lang="en-US" sz="900" dirty="0">
+                          <a:effectLst/>
+                        </a:rPr>
+                        <a:t>Pumps are links that raise the hydraulic head.</a:t>
                       </a:r>
-                      <a:endParaRPr lang="en-US" sz="900">
+                      <a:endParaRPr lang="en-US" sz="900" dirty="0">
                         <a:effectLst/>
                         <a:latin typeface="Calibri" panose="020F0502020204030204" pitchFamily="34" charset="0"/>
                         <a:ea typeface="Calibri" panose="020F0502020204030204" pitchFamily="34" charset="0"/>
@@ -5288,12 +5495,12 @@
                         </a:spcAft>
                       </a:pPr>
                       <a:r>
-                        <a:rPr lang="en-US" sz="900">
+                        <a:rPr lang="en-US" sz="900" dirty="0">
                           <a:effectLst/>
                         </a:rPr>
                         <a:t>Not required if the system is gravity fed</a:t>
                       </a:r>
-                      <a:endParaRPr lang="en-US" sz="900">
+                      <a:endParaRPr lang="en-US" sz="900" dirty="0">
                         <a:effectLst/>
                         <a:latin typeface="Calibri" panose="020F0502020204030204" pitchFamily="34" charset="0"/>
                         <a:ea typeface="Calibri" panose="020F0502020204030204" pitchFamily="34" charset="0"/>
@@ -5399,9 +5606,15 @@
                         <a:rPr lang="en-US" sz="900">
                           <a:effectLst/>
                         </a:rPr>
-                        <a:t>Pump attributes are difficult to approximate without guidance from the utility</a:t>
+                        <a:t>Pump attributes are difficult to </a:t>
                       </a:r>
-                      <a:endParaRPr lang="en-US" sz="900">
+                      <a:r>
+                        <a:rPr lang="en-US" sz="900" dirty="0">
+                          <a:effectLst/>
+                        </a:rPr>
+                        <a:t>approximate without guidance from the utility.</a:t>
+                      </a:r>
+                      <a:endParaRPr lang="en-US" sz="900" dirty="0">
                         <a:effectLst/>
                         <a:latin typeface="Calibri" panose="020F0502020204030204" pitchFamily="34" charset="0"/>
                         <a:ea typeface="Calibri" panose="020F0502020204030204" pitchFamily="34" charset="0"/>
@@ -5474,7 +5687,7 @@
                         <a:rPr lang="en-US" sz="900" dirty="0">
                           <a:effectLst/>
                         </a:rPr>
-                        <a:t>Valves are links that limit the pressure or flow</a:t>
+                        <a:t>Valves are links that limit the pressure or flow.</a:t>
                       </a:r>
                       <a:endParaRPr lang="en-US" sz="900" dirty="0">
                         <a:effectLst/>
@@ -5653,10 +5866,16 @@
                         </a:spcAft>
                       </a:pPr>
                       <a:r>
+                        <a:rPr lang="en-US" sz="900">
+                          <a:effectLst/>
+                        </a:rPr>
+                        <a:t>Valve attributes are difficult to </a:t>
+                      </a:r>
+                      <a:r>
                         <a:rPr lang="en-US" sz="900" dirty="0">
                           <a:effectLst/>
                         </a:rPr>
-                        <a:t>Valve attributes are difficult to approximate without guidance from the utility</a:t>
+                        <a:t>approximate without guidance from the utility.</a:t>
                       </a:r>
                       <a:endParaRPr lang="en-US" sz="900" dirty="0">
                         <a:effectLst/>
@@ -5793,7 +6012,7 @@
               <p:nvPr/>
             </p:nvPicPr>
             <p:blipFill>
-              <a:blip r:embed="rId8">
+              <a:blip r:embed="rId9">
                 <a:extLst>
                   <a:ext uri="{28A0092B-C50C-407E-A947-70E740481C1C}">
                     <a14:useLocalDpi xmlns:a14="http://schemas.microsoft.com/office/drawing/2010/main" val="0"/>
@@ -5998,6 +6217,11 @@
   <p:clrMapOvr>
     <a:masterClrMapping/>
   </p:clrMapOvr>
+  <p:extLst>
+    <p:ext uri="{6950BFC3-D8DA-4A85-94F7-54DA5524770B}">
+      <p188:commentRel xmlns:p188="http://schemas.microsoft.com/office/powerpoint/2018/8/main" r:id="rId2"/>
+    </p:ext>
+  </p:extLst>
 </p:sld>
 </file>
 
@@ -6263,16 +6487,270 @@
 </file>
 
 <file path=customXml/item1.xml><?xml version="1.0" encoding="utf-8"?>
+<p:properties xmlns:p="http://schemas.microsoft.com/office/2006/metadata/properties" xmlns:xsi="http://www.w3.org/2001/XMLSchema-instance" xmlns:pc="http://schemas.microsoft.com/office/infopath/2007/PartnerControls">
+  <documentManagement/>
+</p:properties>
+</file>
+
+<file path=customXml/item2.xml><?xml version="1.0" encoding="utf-8"?>
 <EsriMapsInfo xmlns="ESRI.ArcGIS.Mapping.OfficeIntegration.PowerPointInfo">
   <Version>Version1</Version>
   <RequiresSignIn>False</RequiresSignIn>
 </EsriMapsInfo>
 </file>
 
+<file path=customXml/item3.xml><?xml version="1.0" encoding="utf-8"?>
+<ct:contentTypeSchema xmlns:ct="http://schemas.microsoft.com/office/2006/metadata/contentType" xmlns:ma="http://schemas.microsoft.com/office/2006/metadata/properties/metaAttributes" ct:_="" ma:_="" ma:contentTypeName="Document" ma:contentTypeID="0x010100AC28686FBD4338489595DD7413329EE0" ma:contentTypeVersion="10" ma:contentTypeDescription="Create a new document." ma:contentTypeScope="" ma:versionID="efe20889d221db7351fa9f9f793f0500">
+  <xsd:schema xmlns:xsd="http://www.w3.org/2001/XMLSchema" xmlns:xs="http://www.w3.org/2001/XMLSchema" xmlns:p="http://schemas.microsoft.com/office/2006/metadata/properties" xmlns:ns2="d50414f6-37ad-4088-828c-17732dfcb590" xmlns:ns3="b6537b32-d7a3-445d-a13e-f5ee99b6d44a" targetNamespace="http://schemas.microsoft.com/office/2006/metadata/properties" ma:root="true" ma:fieldsID="b74ad9af483442c1d01e11d21c2dc391" ns2:_="" ns3:_="">
+    <xsd:import namespace="d50414f6-37ad-4088-828c-17732dfcb590"/>
+    <xsd:import namespace="b6537b32-d7a3-445d-a13e-f5ee99b6d44a"/>
+    <xsd:element name="properties">
+      <xsd:complexType>
+        <xsd:sequence>
+          <xsd:element name="documentManagement">
+            <xsd:complexType>
+              <xsd:all>
+                <xsd:element ref="ns2:MediaServiceMetadata" minOccurs="0"/>
+                <xsd:element ref="ns2:MediaServiceFastMetadata" minOccurs="0"/>
+                <xsd:element ref="ns2:MediaServiceAutoTags" minOccurs="0"/>
+                <xsd:element ref="ns2:MediaServiceGenerationTime" minOccurs="0"/>
+                <xsd:element ref="ns2:MediaServiceEventHashCode" minOccurs="0"/>
+                <xsd:element ref="ns2:MediaServiceOCR" minOccurs="0"/>
+                <xsd:element ref="ns2:MediaServiceObjectDetectorVersions" minOccurs="0"/>
+                <xsd:element ref="ns2:MediaServiceSearchProperties" minOccurs="0"/>
+                <xsd:element ref="ns3:SharedWithUsers" minOccurs="0"/>
+                <xsd:element ref="ns3:SharedWithDetails" minOccurs="0"/>
+              </xsd:all>
+            </xsd:complexType>
+          </xsd:element>
+        </xsd:sequence>
+      </xsd:complexType>
+    </xsd:element>
+  </xsd:schema>
+  <xsd:schema xmlns:xsd="http://www.w3.org/2001/XMLSchema" xmlns:xs="http://www.w3.org/2001/XMLSchema" xmlns:dms="http://schemas.microsoft.com/office/2006/documentManagement/types" xmlns:pc="http://schemas.microsoft.com/office/infopath/2007/PartnerControls" targetNamespace="d50414f6-37ad-4088-828c-17732dfcb590" elementFormDefault="qualified">
+    <xsd:import namespace="http://schemas.microsoft.com/office/2006/documentManagement/types"/>
+    <xsd:import namespace="http://schemas.microsoft.com/office/infopath/2007/PartnerControls"/>
+    <xsd:element name="MediaServiceMetadata" ma:index="8" nillable="true" ma:displayName="MediaServiceMetadata" ma:hidden="true" ma:internalName="MediaServiceMetadata" ma:readOnly="true">
+      <xsd:simpleType>
+        <xsd:restriction base="dms:Note"/>
+      </xsd:simpleType>
+    </xsd:element>
+    <xsd:element name="MediaServiceFastMetadata" ma:index="9" nillable="true" ma:displayName="MediaServiceFastMetadata" ma:hidden="true" ma:internalName="MediaServiceFastMetadata" ma:readOnly="true">
+      <xsd:simpleType>
+        <xsd:restriction base="dms:Note"/>
+      </xsd:simpleType>
+    </xsd:element>
+    <xsd:element name="MediaServiceAutoTags" ma:index="10" nillable="true" ma:displayName="Tags" ma:internalName="MediaServiceAutoTags" ma:readOnly="true">
+      <xsd:simpleType>
+        <xsd:restriction base="dms:Text"/>
+      </xsd:simpleType>
+    </xsd:element>
+    <xsd:element name="MediaServiceGenerationTime" ma:index="11" nillable="true" ma:displayName="MediaServiceGenerationTime" ma:hidden="true" ma:internalName="MediaServiceGenerationTime" ma:readOnly="true">
+      <xsd:simpleType>
+        <xsd:restriction base="dms:Text"/>
+      </xsd:simpleType>
+    </xsd:element>
+    <xsd:element name="MediaServiceEventHashCode" ma:index="12" nillable="true" ma:displayName="MediaServiceEventHashCode" ma:hidden="true" ma:internalName="MediaServiceEventHashCode" ma:readOnly="true">
+      <xsd:simpleType>
+        <xsd:restriction base="dms:Text"/>
+      </xsd:simpleType>
+    </xsd:element>
+    <xsd:element name="MediaServiceOCR" ma:index="13" nillable="true" ma:displayName="Extracted Text" ma:internalName="MediaServiceOCR" ma:readOnly="true">
+      <xsd:simpleType>
+        <xsd:restriction base="dms:Note">
+          <xsd:maxLength value="255"/>
+        </xsd:restriction>
+      </xsd:simpleType>
+    </xsd:element>
+    <xsd:element name="MediaServiceObjectDetectorVersions" ma:index="14" nillable="true" ma:displayName="MediaServiceObjectDetectorVersions" ma:hidden="true" ma:indexed="true" ma:internalName="MediaServiceObjectDetectorVersions" ma:readOnly="true">
+      <xsd:simpleType>
+        <xsd:restriction base="dms:Text"/>
+      </xsd:simpleType>
+    </xsd:element>
+    <xsd:element name="MediaServiceSearchProperties" ma:index="15" nillable="true" ma:displayName="MediaServiceSearchProperties" ma:hidden="true" ma:internalName="MediaServiceSearchProperties" ma:readOnly="true">
+      <xsd:simpleType>
+        <xsd:restriction base="dms:Note"/>
+      </xsd:simpleType>
+    </xsd:element>
+  </xsd:schema>
+  <xsd:schema xmlns:xsd="http://www.w3.org/2001/XMLSchema" xmlns:xs="http://www.w3.org/2001/XMLSchema" xmlns:dms="http://schemas.microsoft.com/office/2006/documentManagement/types" xmlns:pc="http://schemas.microsoft.com/office/infopath/2007/PartnerControls" targetNamespace="b6537b32-d7a3-445d-a13e-f5ee99b6d44a" elementFormDefault="qualified">
+    <xsd:import namespace="http://schemas.microsoft.com/office/2006/documentManagement/types"/>
+    <xsd:import namespace="http://schemas.microsoft.com/office/infopath/2007/PartnerControls"/>
+    <xsd:element name="SharedWithUsers" ma:index="16" nillable="true" ma:displayName="Shared With" ma:internalName="SharedWithUsers" ma:readOnly="true">
+      <xsd:complexType>
+        <xsd:complexContent>
+          <xsd:extension base="dms:UserMulti">
+            <xsd:sequence>
+              <xsd:element name="UserInfo" minOccurs="0" maxOccurs="unbounded">
+                <xsd:complexType>
+                  <xsd:sequence>
+                    <xsd:element name="DisplayName" type="xsd:string" minOccurs="0"/>
+                    <xsd:element name="AccountId" type="dms:UserId" minOccurs="0" nillable="true"/>
+                    <xsd:element name="AccountType" type="xsd:string" minOccurs="0"/>
+                  </xsd:sequence>
+                </xsd:complexType>
+              </xsd:element>
+            </xsd:sequence>
+          </xsd:extension>
+        </xsd:complexContent>
+      </xsd:complexType>
+    </xsd:element>
+    <xsd:element name="SharedWithDetails" ma:index="17" nillable="true" ma:displayName="Shared With Details" ma:internalName="SharedWithDetails" ma:readOnly="true">
+      <xsd:simpleType>
+        <xsd:restriction base="dms:Note">
+          <xsd:maxLength value="255"/>
+        </xsd:restriction>
+      </xsd:simpleType>
+    </xsd:element>
+  </xsd:schema>
+  <xsd:schema xmlns="http://schemas.openxmlformats.org/package/2006/metadata/core-properties" xmlns:xsd="http://www.w3.org/2001/XMLSchema" xmlns:xsi="http://www.w3.org/2001/XMLSchema-instance" xmlns:dc="http://purl.org/dc/elements/1.1/" xmlns:dcterms="http://purl.org/dc/terms/" xmlns:odoc="http://schemas.microsoft.com/internal/obd" targetNamespace="http://schemas.openxmlformats.org/package/2006/metadata/core-properties" elementFormDefault="qualified" attributeFormDefault="unqualified" blockDefault="#all">
+    <xsd:import namespace="http://purl.org/dc/elements/1.1/" schemaLocation="http://dublincore.org/schemas/xmls/qdc/2003/04/02/dc.xsd"/>
+    <xsd:import namespace="http://purl.org/dc/terms/" schemaLocation="http://dublincore.org/schemas/xmls/qdc/2003/04/02/dcterms.xsd"/>
+    <xsd:element name="coreProperties" type="CT_coreProperties"/>
+    <xsd:complexType name="CT_coreProperties">
+      <xsd:all>
+        <xsd:element ref="dc:creator" minOccurs="0" maxOccurs="1"/>
+        <xsd:element ref="dcterms:created" minOccurs="0" maxOccurs="1"/>
+        <xsd:element ref="dc:identifier" minOccurs="0" maxOccurs="1"/>
+        <xsd:element name="contentType" minOccurs="0" maxOccurs="1" type="xsd:string" ma:index="0" ma:displayName="Content Type"/>
+        <xsd:element ref="dc:title" minOccurs="0" maxOccurs="1" ma:index="4" ma:displayName="Title"/>
+        <xsd:element ref="dc:subject" minOccurs="0" maxOccurs="1"/>
+        <xsd:element ref="dc:description" minOccurs="0" maxOccurs="1"/>
+        <xsd:element name="keywords" minOccurs="0" maxOccurs="1" type="xsd:string"/>
+        <xsd:element ref="dc:language" minOccurs="0" maxOccurs="1"/>
+        <xsd:element name="category" minOccurs="0" maxOccurs="1" type="xsd:string"/>
+        <xsd:element name="version" minOccurs="0" maxOccurs="1" type="xsd:string"/>
+        <xsd:element name="revision" minOccurs="0" maxOccurs="1" type="xsd:string">
+          <xsd:annotation>
+            <xsd:documentation>
+                        This value indicates the number of saves or revisions. The application is responsible for updating this value after each revision.
+                    </xsd:documentation>
+          </xsd:annotation>
+        </xsd:element>
+        <xsd:element name="lastModifiedBy" minOccurs="0" maxOccurs="1" type="xsd:string"/>
+        <xsd:element ref="dcterms:modified" minOccurs="0" maxOccurs="1"/>
+        <xsd:element name="contentStatus" minOccurs="0" maxOccurs="1" type="xsd:string"/>
+      </xsd:all>
+    </xsd:complexType>
+  </xsd:schema>
+  <xs:schema xmlns:pc="http://schemas.microsoft.com/office/infopath/2007/PartnerControls" xmlns:xs="http://www.w3.org/2001/XMLSchema" targetNamespace="http://schemas.microsoft.com/office/infopath/2007/PartnerControls" elementFormDefault="qualified" attributeFormDefault="unqualified">
+    <xs:element name="Person">
+      <xs:complexType>
+        <xs:sequence>
+          <xs:element ref="pc:DisplayName" minOccurs="0"/>
+          <xs:element ref="pc:AccountId" minOccurs="0"/>
+          <xs:element ref="pc:AccountType" minOccurs="0"/>
+        </xs:sequence>
+      </xs:complexType>
+    </xs:element>
+    <xs:element name="DisplayName" type="xs:string"/>
+    <xs:element name="AccountId" type="xs:string"/>
+    <xs:element name="AccountType" type="xs:string"/>
+    <xs:element name="BDCAssociatedEntity">
+      <xs:complexType>
+        <xs:sequence>
+          <xs:element ref="pc:BDCEntity" minOccurs="0" maxOccurs="unbounded"/>
+        </xs:sequence>
+        <xs:attribute ref="pc:EntityNamespace"/>
+        <xs:attribute ref="pc:EntityName"/>
+        <xs:attribute ref="pc:SystemInstanceName"/>
+        <xs:attribute ref="pc:AssociationName"/>
+      </xs:complexType>
+    </xs:element>
+    <xs:attribute name="EntityNamespace" type="xs:string"/>
+    <xs:attribute name="EntityName" type="xs:string"/>
+    <xs:attribute name="SystemInstanceName" type="xs:string"/>
+    <xs:attribute name="AssociationName" type="xs:string"/>
+    <xs:element name="BDCEntity">
+      <xs:complexType>
+        <xs:sequence>
+          <xs:element ref="pc:EntityDisplayName" minOccurs="0"/>
+          <xs:element ref="pc:EntityInstanceReference" minOccurs="0"/>
+          <xs:element ref="pc:EntityId1" minOccurs="0"/>
+          <xs:element ref="pc:EntityId2" minOccurs="0"/>
+          <xs:element ref="pc:EntityId3" minOccurs="0"/>
+          <xs:element ref="pc:EntityId4" minOccurs="0"/>
+          <xs:element ref="pc:EntityId5" minOccurs="0"/>
+        </xs:sequence>
+      </xs:complexType>
+    </xs:element>
+    <xs:element name="EntityDisplayName" type="xs:string"/>
+    <xs:element name="EntityInstanceReference" type="xs:string"/>
+    <xs:element name="EntityId1" type="xs:string"/>
+    <xs:element name="EntityId2" type="xs:string"/>
+    <xs:element name="EntityId3" type="xs:string"/>
+    <xs:element name="EntityId4" type="xs:string"/>
+    <xs:element name="EntityId5" type="xs:string"/>
+    <xs:element name="Terms">
+      <xs:complexType>
+        <xs:sequence>
+          <xs:element ref="pc:TermInfo" minOccurs="0" maxOccurs="unbounded"/>
+        </xs:sequence>
+      </xs:complexType>
+    </xs:element>
+    <xs:element name="TermInfo">
+      <xs:complexType>
+        <xs:sequence>
+          <xs:element ref="pc:TermName" minOccurs="0"/>
+          <xs:element ref="pc:TermId" minOccurs="0"/>
+        </xs:sequence>
+      </xs:complexType>
+    </xs:element>
+    <xs:element name="TermName" type="xs:string"/>
+    <xs:element name="TermId" type="xs:string"/>
+  </xs:schema>
+</ct:contentTypeSchema>
+</file>
+
+<file path=customXml/item4.xml><?xml version="1.0" encoding="utf-8"?>
+<?mso-contentType ?>
+<FormTemplates xmlns="http://schemas.microsoft.com/sharepoint/v3/contenttype/forms">
+  <Display>DocumentLibraryForm</Display>
+  <Edit>DocumentLibraryForm</Edit>
+  <New>DocumentLibraryForm</New>
+</FormTemplates>
+</file>
+
 <file path=customXml/itemProps1.xml><?xml version="1.0" encoding="utf-8"?>
+<ds:datastoreItem xmlns:ds="http://schemas.openxmlformats.org/officeDocument/2006/customXml" ds:itemID="{87EEA8EA-CF32-4E0D-BB38-A6DB78C5956B}">
+  <ds:schemaRefs>
+    <ds:schemaRef ds:uri="http://schemas.microsoft.com/office/2006/metadata/properties"/>
+    <ds:schemaRef ds:uri="http://schemas.microsoft.com/office/infopath/2007/PartnerControls"/>
+  </ds:schemaRefs>
+</ds:datastoreItem>
+</file>
+
+<file path=customXml/itemProps2.xml><?xml version="1.0" encoding="utf-8"?>
 <ds:datastoreItem xmlns:ds="http://schemas.openxmlformats.org/officeDocument/2006/customXml" ds:itemID="{F820E9AF-8DED-4D17-80AC-2052DB1506D3}">
   <ds:schemaRefs>
     <ds:schemaRef ds:uri="ESRI.ArcGIS.Mapping.OfficeIntegration.PowerPointInfo"/>
   </ds:schemaRefs>
 </ds:datastoreItem>
+</file>
+
+<file path=customXml/itemProps3.xml><?xml version="1.0" encoding="utf-8"?>
+<ds:datastoreItem xmlns:ds="http://schemas.openxmlformats.org/officeDocument/2006/customXml" ds:itemID="{9D45BE62-2CB4-4E53-B087-95042FB170BE}">
+  <ds:schemaRefs>
+    <ds:schemaRef ds:uri="http://schemas.microsoft.com/office/2006/metadata/contentType"/>
+    <ds:schemaRef ds:uri="http://schemas.microsoft.com/office/2006/metadata/properties/metaAttributes"/>
+    <ds:schemaRef ds:uri="http://www.w3.org/2001/XMLSchema"/>
+    <ds:schemaRef ds:uri="http://schemas.microsoft.com/office/2006/metadata/properties"/>
+    <ds:schemaRef ds:uri="d50414f6-37ad-4088-828c-17732dfcb590"/>
+    <ds:schemaRef ds:uri="b6537b32-d7a3-445d-a13e-f5ee99b6d44a"/>
+    <ds:schemaRef ds:uri="http://schemas.microsoft.com/office/2006/documentManagement/types"/>
+    <ds:schemaRef ds:uri="http://schemas.microsoft.com/office/infopath/2007/PartnerControls"/>
+    <ds:schemaRef ds:uri="http://schemas.openxmlformats.org/package/2006/metadata/core-properties"/>
+    <ds:schemaRef ds:uri="http://purl.org/dc/elements/1.1/"/>
+    <ds:schemaRef ds:uri="http://purl.org/dc/terms/"/>
+    <ds:schemaRef ds:uri="http://schemas.microsoft.com/internal/obd"/>
+  </ds:schemaRefs>
+</ds:datastoreItem>
+</file>
+
+<file path=customXml/itemProps4.xml><?xml version="1.0" encoding="utf-8"?>
+<ds:datastoreItem xmlns:ds="http://schemas.openxmlformats.org/officeDocument/2006/customXml" ds:itemID="{0AB2FE3E-3E7D-44DB-95E4-344B8C623AF1}">
+  <ds:schemaRefs>
+    <ds:schemaRef ds:uri="http://schemas.microsoft.com/sharepoint/v3/contenttype/forms"/>
+  </ds:schemaRefs>
+</ds:datastoreItem>
 </file>
--- a/documentation/factsheets/WNTR_data_factsheet.pptx
+++ b/documentation/factsheets/WNTR_data_factsheet.pptx
@@ -199,46 +199,6 @@
 </pc:chgInfo>
 </file>
 
-<file path=ppt/comments/modernComment_101_217BAB4E.xml><?xml version="1.0" encoding="utf-8"?>
-<p188:cmLst xmlns:a="http://schemas.openxmlformats.org/drawingml/2006/main" xmlns:r="http://schemas.openxmlformats.org/officeDocument/2006/relationships" xmlns:p188="http://schemas.microsoft.com/office/powerpoint/2018/8/main">
-  <p188:cm id="{9FF7DED2-A667-4EC3-952B-864B9B0FA816}" authorId="{C68F20BD-5FE6-94EC-7D02-7E480943A96B}" created="2024-12-16T18:47:15.085">
-    <ac:txMkLst xmlns:ac="http://schemas.microsoft.com/office/drawing/2013/main/command">
-      <pc:docMk xmlns:pc="http://schemas.microsoft.com/office/powerpoint/2013/main/command"/>
-      <pc:sldMk xmlns:pc="http://schemas.microsoft.com/office/powerpoint/2013/main/command" cId="561752910" sldId="257"/>
-      <ac:spMk id="39" creationId="{00000000-0000-0000-0000-000000000000}"/>
-      <ac:txMk cp="580" len="64">
-        <ac:context len="646" hash="1266994117"/>
-      </ac:txMk>
-    </ac:txMkLst>
-    <p188:pos x="4070350" y="1790700"/>
-    <p188:replyLst>
-      <p188:reply id="{D7E29FE4-B00C-4D74-A929-DEF75DCBA766}" authorId="{C68F20BD-5FE6-94EC-7D02-7E480943A96B}" created="2024-12-16T18:56:35.020">
-        <p188:txBody>
-          <a:bodyPr/>
-          <a:lstStyle/>
-          <a:p>
-            <a:r>
-              <a:rPr lang="en-US"/>
-              <a:t>Add link to WNTR documentation page on the water network model.</a:t>
-            </a:r>
-          </a:p>
-        </p188:txBody>
-      </p188:reply>
-    </p188:replyLst>
-    <p188:txBody>
-      <a:bodyPr/>
-      <a:lstStyle/>
-      <a:p>
-        <a:r>
-          <a:rPr lang="en-US"/>
-          <a:t>Could not find this presentation</a:t>
-        </a:r>
-      </a:p>
-    </p188:txBody>
-  </p188:cm>
-</p188:cmLst>
-</file>
-
 <file path=ppt/slideLayouts/slideLayout1.xml><?xml version="1.0" encoding="utf-8"?>
 <p:sldLayout xmlns:a="http://schemas.openxmlformats.org/drawingml/2006/main" xmlns:r="http://schemas.openxmlformats.org/officeDocument/2006/relationships" xmlns:p="http://schemas.openxmlformats.org/presentationml/2006/main" type="title" preserve="1">
   <p:cSld name="Title Slide">
@@ -370,7 +330,7 @@
           <a:p>
             <a:fld id="{78AFBD30-E760-4572-B462-738943907F1A}" type="datetimeFigureOut">
               <a:rPr lang="en-US" smtClean="0"/>
-              <a:t>1/6/2025</a:t>
+              <a:t>3/5/2025</a:t>
             </a:fld>
             <a:endParaRPr lang="en-US"/>
           </a:p>
@@ -540,7 +500,7 @@
           <a:p>
             <a:fld id="{78AFBD30-E760-4572-B462-738943907F1A}" type="datetimeFigureOut">
               <a:rPr lang="en-US" smtClean="0"/>
-              <a:t>1/6/2025</a:t>
+              <a:t>3/5/2025</a:t>
             </a:fld>
             <a:endParaRPr lang="en-US"/>
           </a:p>
@@ -720,7 +680,7 @@
           <a:p>
             <a:fld id="{78AFBD30-E760-4572-B462-738943907F1A}" type="datetimeFigureOut">
               <a:rPr lang="en-US" smtClean="0"/>
-              <a:t>1/6/2025</a:t>
+              <a:t>3/5/2025</a:t>
             </a:fld>
             <a:endParaRPr lang="en-US"/>
           </a:p>
@@ -890,7 +850,7 @@
           <a:p>
             <a:fld id="{78AFBD30-E760-4572-B462-738943907F1A}" type="datetimeFigureOut">
               <a:rPr lang="en-US" smtClean="0"/>
-              <a:t>1/6/2025</a:t>
+              <a:t>3/5/2025</a:t>
             </a:fld>
             <a:endParaRPr lang="en-US"/>
           </a:p>
@@ -1134,7 +1094,7 @@
           <a:p>
             <a:fld id="{78AFBD30-E760-4572-B462-738943907F1A}" type="datetimeFigureOut">
               <a:rPr lang="en-US" smtClean="0"/>
-              <a:t>1/6/2025</a:t>
+              <a:t>3/5/2025</a:t>
             </a:fld>
             <a:endParaRPr lang="en-US"/>
           </a:p>
@@ -1366,7 +1326,7 @@
           <a:p>
             <a:fld id="{78AFBD30-E760-4572-B462-738943907F1A}" type="datetimeFigureOut">
               <a:rPr lang="en-US" smtClean="0"/>
-              <a:t>1/6/2025</a:t>
+              <a:t>3/5/2025</a:t>
             </a:fld>
             <a:endParaRPr lang="en-US"/>
           </a:p>
@@ -1733,7 +1693,7 @@
           <a:p>
             <a:fld id="{78AFBD30-E760-4572-B462-738943907F1A}" type="datetimeFigureOut">
               <a:rPr lang="en-US" smtClean="0"/>
-              <a:t>1/6/2025</a:t>
+              <a:t>3/5/2025</a:t>
             </a:fld>
             <a:endParaRPr lang="en-US"/>
           </a:p>
@@ -1851,7 +1811,7 @@
           <a:p>
             <a:fld id="{78AFBD30-E760-4572-B462-738943907F1A}" type="datetimeFigureOut">
               <a:rPr lang="en-US" smtClean="0"/>
-              <a:t>1/6/2025</a:t>
+              <a:t>3/5/2025</a:t>
             </a:fld>
             <a:endParaRPr lang="en-US"/>
           </a:p>
@@ -1946,7 +1906,7 @@
           <a:p>
             <a:fld id="{78AFBD30-E760-4572-B462-738943907F1A}" type="datetimeFigureOut">
               <a:rPr lang="en-US" smtClean="0"/>
-              <a:t>1/6/2025</a:t>
+              <a:t>3/5/2025</a:t>
             </a:fld>
             <a:endParaRPr lang="en-US"/>
           </a:p>
@@ -2223,7 +2183,7 @@
           <a:p>
             <a:fld id="{78AFBD30-E760-4572-B462-738943907F1A}" type="datetimeFigureOut">
               <a:rPr lang="en-US" smtClean="0"/>
-              <a:t>1/6/2025</a:t>
+              <a:t>3/5/2025</a:t>
             </a:fld>
             <a:endParaRPr lang="en-US"/>
           </a:p>
@@ -2480,7 +2440,7 @@
           <a:p>
             <a:fld id="{78AFBD30-E760-4572-B462-738943907F1A}" type="datetimeFigureOut">
               <a:rPr lang="en-US" smtClean="0"/>
-              <a:t>1/6/2025</a:t>
+              <a:t>3/5/2025</a:t>
             </a:fld>
             <a:endParaRPr lang="en-US"/>
           </a:p>
@@ -2693,7 +2653,7 @@
           <a:p>
             <a:fld id="{78AFBD30-E760-4572-B462-738943907F1A}" type="datetimeFigureOut">
               <a:rPr lang="en-US" smtClean="0"/>
-              <a:t>1/6/2025</a:t>
+              <a:t>3/5/2025</a:t>
             </a:fld>
             <a:endParaRPr lang="en-US"/>
           </a:p>
@@ -3264,8 +3224,16 @@
           <a:lstStyle/>
           <a:p>
             <a:r>
+              <a:rPr lang="en-US" sz="1100" dirty="0"/>
+              <a:t>The </a:t>
+            </a:r>
+            <a:r>
+              <a:rPr lang="en-US" sz="1100" b="1" dirty="0"/>
+              <a:t>Water Network Tool for Resilience (WNTR)</a:t>
+            </a:r>
+            <a:r>
               <a:rPr lang="en-US" sz="1150" dirty="0"/>
-              <a:t>WNTR requires a model of the water distribution system. That model can be obtained from the water utility (in EPANET INP or related file format) or be generated from data.  The basic features of the model are shown in Figure 1 and briefly described in Table 1. Some information can be approximated from publicly available data sources, as outlined in the table. Models should be calibrated to replicate system operations.</a:t>
+              <a:t> requires a model of the water distribution system. That model can be obtained from the water utility (in EPANET INP or related file format) or be generated from data.  The basic features of the model are shown in Figure 1 and briefly described in Table 1. Some information can be approximated from publicly available data sources, as outlined in the table. Models should be calibrated to replicate system operations.</a:t>
             </a:r>
           </a:p>
           <a:p>
@@ -3275,26 +3243,36 @@
             <a:r>
               <a:rPr lang="en-US" sz="1150" dirty="0"/>
               <a:t>For more information on water distribution system models, see the </a:t>
+            </a:r>
+            <a:r>
+              <a:rPr lang="en-US" sz="1150" dirty="0">
+                <a:hlinkClick r:id="rId2"/>
+              </a:rPr>
+              <a:t>EPANET 2.2 online user manual</a:t>
+            </a:r>
+            <a:r>
+              <a:rPr lang="en-US" sz="1150" dirty="0"/>
+              <a:t>, EPA’s website on </a:t>
             </a:r>
             <a:r>
               <a:rPr lang="en-US" sz="1150" dirty="0">
                 <a:hlinkClick r:id="rId3"/>
               </a:rPr>
-              <a:t>EPANET 2.2 online user manual</a:t>
+              <a:t>Small System Challenges and Solutions</a:t>
             </a:r>
             <a:r>
               <a:rPr lang="en-US" sz="1150" dirty="0"/>
-              <a:t>, and EPA’s website on </a:t>
+              <a:t>, and </a:t>
             </a:r>
             <a:r>
               <a:rPr lang="en-US" sz="1150" dirty="0">
                 <a:hlinkClick r:id="rId4"/>
               </a:rPr>
-              <a:t>Small System Challenges and Solutions</a:t>
+              <a:t>WNTR documentation </a:t>
             </a:r>
             <a:r>
               <a:rPr lang="en-US" sz="1150" dirty="0"/>
-              <a:t>. The 2020 presentation includes an overview of hydraulic modeling.</a:t>
+              <a:t>on water network models.</a:t>
             </a:r>
           </a:p>
         </p:txBody>
@@ -3910,8 +3888,8 @@
         </p:nvSpPr>
         <p:spPr>
           <a:xfrm>
-            <a:off x="196843" y="2948387"/>
-            <a:ext cx="5938777" cy="249684"/>
+            <a:off x="196843" y="2939243"/>
+            <a:ext cx="5938777" cy="273280"/>
           </a:xfrm>
           <a:prstGeom prst="rect">
             <a:avLst/>
@@ -3936,7 +3914,7 @@
               </a:spcAft>
             </a:pPr>
             <a:r>
-              <a:rPr lang="en-US" sz="1000" b="1" dirty="0">
+              <a:rPr lang="en-US" sz="1100" b="1" dirty="0">
                 <a:effectLst/>
                 <a:latin typeface="Calibri" panose="020F0502020204030204" pitchFamily="34" charset="0"/>
                 <a:ea typeface="Calibri" panose="020F0502020204030204" pitchFamily="34" charset="0"/>
@@ -3944,7 +3922,7 @@
               </a:rPr>
               <a:t>Table 1: Water distribution system model data requirements</a:t>
             </a:r>
-            <a:endParaRPr lang="en-US" sz="1000" dirty="0">
+            <a:endParaRPr lang="en-US" sz="1100" dirty="0">
               <a:effectLst/>
               <a:latin typeface="Calibri" panose="020F0502020204030204" pitchFamily="34" charset="0"/>
               <a:ea typeface="Calibri" panose="020F0502020204030204" pitchFamily="34" charset="0"/>
@@ -3968,14 +3946,14 @@
           <p:nvPr>
             <p:extLst>
               <p:ext uri="{D42A27DB-BD31-4B8C-83A1-F6EECF244321}">
-                <p14:modId xmlns:p14="http://schemas.microsoft.com/office/powerpoint/2010/main" val="1903847199"/>
+                <p14:modId xmlns:p14="http://schemas.microsoft.com/office/powerpoint/2010/main" val="94069854"/>
               </p:ext>
             </p:extLst>
           </p:nvPr>
         </p:nvGraphicFramePr>
         <p:xfrm>
           <a:off x="237669" y="3179522"/>
-          <a:ext cx="7207746" cy="6214947"/>
+          <a:ext cx="7207746" cy="6350368"/>
         </p:xfrm>
         <a:graphic>
           <a:graphicData uri="http://schemas.openxmlformats.org/drawingml/2006/table">
@@ -4327,11 +4305,29 @@
                         <a:buChar char="-"/>
                       </a:pPr>
                       <a:r>
-                        <a:rPr lang="en-US" sz="900">
+                        <a:rPr lang="en-US" sz="900" dirty="0">
                           <a:effectLst/>
                         </a:rPr>
                         <a:t>Location*</a:t>
                       </a:r>
+                    </a:p>
+                    <a:p>
+                      <a:pPr marL="171450" marR="0" lvl="0" indent="-171450">
+                        <a:lnSpc>
+                          <a:spcPct val="107000"/>
+                        </a:lnSpc>
+                        <a:spcBef>
+                          <a:spcPts val="0"/>
+                        </a:spcBef>
+                        <a:spcAft>
+                          <a:spcPts val="0"/>
+                        </a:spcAft>
+                        <a:buFont typeface="Calibri"/>
+                        <a:buChar char="-"/>
+                      </a:pPr>
+                      <a:endParaRPr lang="en-US" sz="900" dirty="0">
+                        <a:effectLst/>
+                      </a:endParaRPr>
                     </a:p>
                     <a:p>
                       <a:pPr lvl="0" algn="l">
@@ -4347,13 +4343,13 @@
                         <a:buNone/>
                       </a:pPr>
                       <a:r>
-                        <a:rPr lang="en-US" sz="900" b="0" i="0" u="none" strike="noStrike" noProof="0">
+                        <a:rPr lang="en-US" sz="900" b="0" i="0" u="none" strike="noStrike" noProof="0" dirty="0">
                           <a:effectLst/>
                           <a:latin typeface="Calibri"/>
                         </a:rPr>
                         <a:t>* Location for all components</a:t>
                       </a:r>
-                      <a:endParaRPr lang="en-US"/>
+                      <a:endParaRPr lang="en-US" dirty="0"/>
                     </a:p>
                     <a:p>
                       <a:pPr lvl="0" algn="l">
@@ -4369,13 +4365,13 @@
                         <a:buNone/>
                       </a:pPr>
                       <a:r>
-                        <a:rPr lang="en-US" sz="900" b="0" i="0" u="none" strike="noStrike" noProof="0">
+                        <a:rPr lang="en-US" sz="900" b="0" i="0" u="none" strike="noStrike" noProof="0" dirty="0">
                           <a:effectLst/>
                           <a:latin typeface="Calibri"/>
                         </a:rPr>
                         <a:t>includes the X and Y position along</a:t>
                       </a:r>
-                      <a:endParaRPr lang="en-US"/>
+                      <a:endParaRPr lang="en-US" dirty="0"/>
                     </a:p>
                     <a:p>
                       <a:pPr lvl="0" algn="l">
@@ -4391,13 +4387,13 @@
                         <a:buNone/>
                       </a:pPr>
                       <a:r>
-                        <a:rPr lang="en-US" sz="900" b="0" i="0" u="none" strike="noStrike" noProof="0">
+                        <a:rPr lang="en-US" sz="900" b="0" i="0" u="none" strike="noStrike" noProof="0" dirty="0">
                           <a:effectLst/>
                           <a:latin typeface="Calibri"/>
                         </a:rPr>
                         <a:t>with elevation. X and Y can be in</a:t>
                       </a:r>
-                      <a:endParaRPr lang="en-US"/>
+                      <a:endParaRPr lang="en-US" dirty="0"/>
                     </a:p>
                     <a:p>
                       <a:pPr lvl="0" algn="l">
@@ -4413,13 +4409,13 @@
                         <a:buNone/>
                       </a:pPr>
                       <a:r>
-                        <a:rPr lang="en-US" sz="900" b="0" i="0" u="none" strike="noStrike" noProof="0">
+                        <a:rPr lang="en-US" sz="900" b="0" i="0" u="none" strike="noStrike" noProof="0" dirty="0">
                           <a:effectLst/>
                           <a:latin typeface="Calibri"/>
                         </a:rPr>
                         <a:t>any coordinate system. WNTR uses</a:t>
                       </a:r>
-                      <a:endParaRPr lang="en-US"/>
+                      <a:endParaRPr lang="en-US" dirty="0"/>
                     </a:p>
                     <a:p>
                       <a:pPr marL="0" marR="0" lvl="0" indent="0">
@@ -4435,13 +4431,13 @@
                         <a:buNone/>
                       </a:pPr>
                       <a:r>
-                        <a:rPr lang="en-US" sz="900" b="0" i="0" u="none" strike="noStrike" noProof="0">
+                        <a:rPr lang="en-US" sz="900" b="0" i="0" u="none" strike="noStrike" noProof="0" dirty="0">
                           <a:effectLst/>
                           <a:latin typeface="Calibri"/>
                         </a:rPr>
                         <a:t>SI units for all other attributes.</a:t>
                       </a:r>
-                      <a:endParaRPr lang="en-US"/>
+                      <a:endParaRPr lang="en-US" dirty="0"/>
                     </a:p>
                     <a:p>
                       <a:pPr marL="0" marR="0" lvl="0" indent="0">
@@ -4929,7 +4925,7 @@
                         <a:rPr lang="en-US" sz="900" dirty="0">
                           <a:effectLst/>
                         </a:rPr>
-                        <a:t>Pressure</a:t>
+                        <a:t>Hydraulic head (elevation + water pressure)</a:t>
                       </a:r>
                       <a:endParaRPr lang="en-US" sz="900" dirty="0">
                         <a:effectLst/>
@@ -4961,7 +4957,7 @@
                         <a:rPr lang="en-US" sz="900" dirty="0">
                           <a:effectLst/>
                         </a:rPr>
-                        <a:t>Location is generally known or can be estimated using online maps of the region. Pressure can be estimated if needed.</a:t>
+                        <a:t>Location is generally known or can be estimated using online maps of the region. Hydraulic head can be estimated if needed.</a:t>
                       </a:r>
                       <a:endParaRPr lang="en-US" sz="900" dirty="0">
                         <a:effectLst/>
@@ -5553,7 +5549,7 @@
                         <a:rPr lang="en-US" sz="900" dirty="0">
                           <a:effectLst/>
                         </a:rPr>
-                        <a:t>Operational settings (pump curve)</a:t>
+                        <a:t>Operational settings (pump curve or constant power)</a:t>
                       </a:r>
                     </a:p>
                     <a:p>
@@ -5866,16 +5862,10 @@
                         </a:spcAft>
                       </a:pPr>
                       <a:r>
-                        <a:rPr lang="en-US" sz="900">
-                          <a:effectLst/>
-                        </a:rPr>
-                        <a:t>Valve attributes are difficult to </a:t>
-                      </a:r>
-                      <a:r>
                         <a:rPr lang="en-US" sz="900" dirty="0">
                           <a:effectLst/>
                         </a:rPr>
-                        <a:t>approximate without guidance from the utility.</a:t>
+                        <a:t>Valve attributes are difficult to approximate without guidance from the utility.</a:t>
                       </a:r>
                       <a:endParaRPr lang="en-US" sz="900" dirty="0">
                         <a:effectLst/>
@@ -6217,11 +6207,6 @@
   <p:clrMapOvr>
     <a:masterClrMapping/>
   </p:clrMapOvr>
-  <p:extLst>
-    <p:ext uri="{6950BFC3-D8DA-4A85-94F7-54DA5524770B}">
-      <p188:commentRel xmlns:p188="http://schemas.microsoft.com/office/powerpoint/2018/8/main" r:id="rId2"/>
-    </p:ext>
-  </p:extLst>
 </p:sld>
 </file>
 
@@ -6487,19 +6472,15 @@
 </file>
 
 <file path=customXml/item1.xml><?xml version="1.0" encoding="utf-8"?>
-<p:properties xmlns:p="http://schemas.microsoft.com/office/2006/metadata/properties" xmlns:xsi="http://www.w3.org/2001/XMLSchema-instance" xmlns:pc="http://schemas.microsoft.com/office/infopath/2007/PartnerControls">
-  <documentManagement/>
-</p:properties>
+<?mso-contentType ?>
+<FormTemplates xmlns="http://schemas.microsoft.com/sharepoint/v3/contenttype/forms">
+  <Display>DocumentLibraryForm</Display>
+  <Edit>DocumentLibraryForm</Edit>
+  <New>DocumentLibraryForm</New>
+</FormTemplates>
 </file>
 
 <file path=customXml/item2.xml><?xml version="1.0" encoding="utf-8"?>
-<EsriMapsInfo xmlns="ESRI.ArcGIS.Mapping.OfficeIntegration.PowerPointInfo">
-  <Version>Version1</Version>
-  <RequiresSignIn>False</RequiresSignIn>
-</EsriMapsInfo>
-</file>
-
-<file path=customXml/item3.xml><?xml version="1.0" encoding="utf-8"?>
 <ct:contentTypeSchema xmlns:ct="http://schemas.microsoft.com/office/2006/metadata/contentType" xmlns:ma="http://schemas.microsoft.com/office/2006/metadata/properties/metaAttributes" ct:_="" ma:_="" ma:contentTypeName="Document" ma:contentTypeID="0x010100AC28686FBD4338489595DD7413329EE0" ma:contentTypeVersion="10" ma:contentTypeDescription="Create a new document." ma:contentTypeScope="" ma:versionID="efe20889d221db7351fa9f9f793f0500">
   <xsd:schema xmlns:xsd="http://www.w3.org/2001/XMLSchema" xmlns:xs="http://www.w3.org/2001/XMLSchema" xmlns:p="http://schemas.microsoft.com/office/2006/metadata/properties" xmlns:ns2="d50414f6-37ad-4088-828c-17732dfcb590" xmlns:ns3="b6537b32-d7a3-445d-a13e-f5ee99b6d44a" targetNamespace="http://schemas.microsoft.com/office/2006/metadata/properties" ma:root="true" ma:fieldsID="b74ad9af483442c1d01e11d21c2dc391" ns2:_="" ns3:_="">
     <xsd:import namespace="d50414f6-37ad-4088-828c-17732dfcb590"/>
@@ -6702,33 +6683,28 @@
 </ct:contentTypeSchema>
 </file>
 
+<file path=customXml/item3.xml><?xml version="1.0" encoding="utf-8"?>
+<EsriMapsInfo xmlns="ESRI.ArcGIS.Mapping.OfficeIntegration.PowerPointInfo">
+  <Version>Version1</Version>
+  <RequiresSignIn>False</RequiresSignIn>
+</EsriMapsInfo>
+</file>
+
 <file path=customXml/item4.xml><?xml version="1.0" encoding="utf-8"?>
-<?mso-contentType ?>
-<FormTemplates xmlns="http://schemas.microsoft.com/sharepoint/v3/contenttype/forms">
-  <Display>DocumentLibraryForm</Display>
-  <Edit>DocumentLibraryForm</Edit>
-  <New>DocumentLibraryForm</New>
-</FormTemplates>
+<p:properties xmlns:p="http://schemas.microsoft.com/office/2006/metadata/properties" xmlns:xsi="http://www.w3.org/2001/XMLSchema-instance" xmlns:pc="http://schemas.microsoft.com/office/infopath/2007/PartnerControls">
+  <documentManagement/>
+</p:properties>
 </file>
 
 <file path=customXml/itemProps1.xml><?xml version="1.0" encoding="utf-8"?>
-<ds:datastoreItem xmlns:ds="http://schemas.openxmlformats.org/officeDocument/2006/customXml" ds:itemID="{87EEA8EA-CF32-4E0D-BB38-A6DB78C5956B}">
+<ds:datastoreItem xmlns:ds="http://schemas.openxmlformats.org/officeDocument/2006/customXml" ds:itemID="{0AB2FE3E-3E7D-44DB-95E4-344B8C623AF1}">
   <ds:schemaRefs>
-    <ds:schemaRef ds:uri="http://schemas.microsoft.com/office/2006/metadata/properties"/>
-    <ds:schemaRef ds:uri="http://schemas.microsoft.com/office/infopath/2007/PartnerControls"/>
+    <ds:schemaRef ds:uri="http://schemas.microsoft.com/sharepoint/v3/contenttype/forms"/>
   </ds:schemaRefs>
 </ds:datastoreItem>
 </file>
 
 <file path=customXml/itemProps2.xml><?xml version="1.0" encoding="utf-8"?>
-<ds:datastoreItem xmlns:ds="http://schemas.openxmlformats.org/officeDocument/2006/customXml" ds:itemID="{F820E9AF-8DED-4D17-80AC-2052DB1506D3}">
-  <ds:schemaRefs>
-    <ds:schemaRef ds:uri="ESRI.ArcGIS.Mapping.OfficeIntegration.PowerPointInfo"/>
-  </ds:schemaRefs>
-</ds:datastoreItem>
-</file>
-
-<file path=customXml/itemProps3.xml><?xml version="1.0" encoding="utf-8"?>
 <ds:datastoreItem xmlns:ds="http://schemas.openxmlformats.org/officeDocument/2006/customXml" ds:itemID="{9D45BE62-2CB4-4E53-B087-95042FB170BE}">
   <ds:schemaRefs>
     <ds:schemaRef ds:uri="http://schemas.microsoft.com/office/2006/metadata/contentType"/>
@@ -6747,10 +6723,19 @@
 </ds:datastoreItem>
 </file>
 
+<file path=customXml/itemProps3.xml><?xml version="1.0" encoding="utf-8"?>
+<ds:datastoreItem xmlns:ds="http://schemas.openxmlformats.org/officeDocument/2006/customXml" ds:itemID="{F820E9AF-8DED-4D17-80AC-2052DB1506D3}">
+  <ds:schemaRefs>
+    <ds:schemaRef ds:uri="ESRI.ArcGIS.Mapping.OfficeIntegration.PowerPointInfo"/>
+  </ds:schemaRefs>
+</ds:datastoreItem>
+</file>
+
 <file path=customXml/itemProps4.xml><?xml version="1.0" encoding="utf-8"?>
-<ds:datastoreItem xmlns:ds="http://schemas.openxmlformats.org/officeDocument/2006/customXml" ds:itemID="{0AB2FE3E-3E7D-44DB-95E4-344B8C623AF1}">
+<ds:datastoreItem xmlns:ds="http://schemas.openxmlformats.org/officeDocument/2006/customXml" ds:itemID="{87EEA8EA-CF32-4E0D-BB38-A6DB78C5956B}">
   <ds:schemaRefs>
-    <ds:schemaRef ds:uri="http://schemas.microsoft.com/sharepoint/v3/contenttype/forms"/>
+    <ds:schemaRef ds:uri="http://schemas.microsoft.com/office/2006/metadata/properties"/>
+    <ds:schemaRef ds:uri="http://schemas.microsoft.com/office/infopath/2007/PartnerControls"/>
   </ds:schemaRefs>
 </ds:datastoreItem>
 </file>